--- a/handouts/indirect-effect-example.pptx
+++ b/handouts/indirect-effect-example.pptx
@@ -6,6 +6,7 @@
   </p:sldMasterIdLst>
   <p:sldIdLst>
     <p:sldId id="257" r:id="rId2"/>
+    <p:sldId id="258" r:id="rId3"/>
   </p:sldIdLst>
   <p:sldSz cx="12192000" cy="6858000"/>
   <p:notesSz cx="6858000" cy="9144000"/>
@@ -4087,7 +4088,7 @@
               <a:rPr lang="en-US" dirty="0">
                 <a:latin typeface="+mj-lt"/>
               </a:rPr>
-              <a:t>y = amount directly from A + amount indirectly from A through C </a:t>
+              <a:t>y = amount directly from A + amount indirectly from A through B </a:t>
             </a:r>
           </a:p>
           <a:p>
@@ -4095,7 +4096,56 @@
               <a:rPr lang="en-US" dirty="0">
                 <a:latin typeface="+mj-lt"/>
               </a:rPr>
-              <a:t>y = (0.50)(x) + (0.50)(0.50)(x) = 5 + 2.5 = 7.5 gallon increase </a:t>
+              <a:t>y = </a:t>
+            </a:r>
+            <a:r>
+              <a:rPr lang="en-US" b="1" dirty="0">
+                <a:solidFill>
+                  <a:schemeClr val="accent1"/>
+                </a:solidFill>
+                <a:latin typeface="+mj-lt"/>
+              </a:rPr>
+              <a:t>(0.50)(x) + </a:t>
+            </a:r>
+            <a:r>
+              <a:rPr lang="en-US" b="1" dirty="0">
+                <a:solidFill>
+                  <a:schemeClr val="accent2">
+                    <a:lumMod val="50000"/>
+                  </a:schemeClr>
+                </a:solidFill>
+                <a:latin typeface="+mj-lt"/>
+              </a:rPr>
+              <a:t>(0.50)(0.50)(x) </a:t>
+            </a:r>
+            <a:r>
+              <a:rPr lang="en-US" b="1" dirty="0">
+                <a:solidFill>
+                  <a:schemeClr val="accent1"/>
+                </a:solidFill>
+                <a:latin typeface="+mj-lt"/>
+              </a:rPr>
+              <a:t>= 5 + </a:t>
+            </a:r>
+            <a:r>
+              <a:rPr lang="en-US" b="1" dirty="0">
+                <a:solidFill>
+                  <a:schemeClr val="accent2">
+                    <a:lumMod val="50000"/>
+                  </a:schemeClr>
+                </a:solidFill>
+                <a:latin typeface="+mj-lt"/>
+              </a:rPr>
+              <a:t>2.5</a:t>
+            </a:r>
+            <a:r>
+              <a:rPr lang="en-US" b="1" dirty="0">
+                <a:solidFill>
+                  <a:schemeClr val="accent1"/>
+                </a:solidFill>
+                <a:latin typeface="+mj-lt"/>
+              </a:rPr>
+              <a:t> = 7.5 gallon increase </a:t>
             </a:r>
           </a:p>
         </p:txBody>
@@ -4265,6 +4315,1392 @@
     <p:extLst>
       <p:ext uri="{BB962C8B-B14F-4D97-AF65-F5344CB8AC3E}">
         <p14:creationId xmlns:p14="http://schemas.microsoft.com/office/powerpoint/2010/main" val="2735464825"/>
+      </p:ext>
+    </p:extLst>
+  </p:cSld>
+  <p:clrMapOvr>
+    <a:masterClrMapping/>
+  </p:clrMapOvr>
+</p:sld>
+</file>
+
+<file path=ppt/slides/slide2.xml><?xml version="1.0" encoding="utf-8"?>
+<p:sld xmlns:a="http://schemas.openxmlformats.org/drawingml/2006/main" xmlns:r="http://schemas.openxmlformats.org/officeDocument/2006/relationships" xmlns:p="http://schemas.openxmlformats.org/presentationml/2006/main">
+  <p:cSld>
+    <p:spTree>
+      <p:nvGrpSpPr>
+        <p:cNvPr id="1" name=""/>
+        <p:cNvGrpSpPr/>
+        <p:nvPr/>
+      </p:nvGrpSpPr>
+      <p:grpSpPr>
+        <a:xfrm>
+          <a:off x="0" y="0"/>
+          <a:ext cx="0" cy="0"/>
+          <a:chOff x="0" y="0"/>
+          <a:chExt cx="0" cy="0"/>
+        </a:xfrm>
+      </p:grpSpPr>
+      <p:graphicFrame>
+        <p:nvGraphicFramePr>
+          <p:cNvPr id="46" name="Object 45">
+            <a:extLst>
+              <a:ext uri="{FF2B5EF4-FFF2-40B4-BE49-F238E27FC236}">
+                <a16:creationId xmlns:a16="http://schemas.microsoft.com/office/drawing/2014/main" id="{10727558-159C-4EA1-AAF7-C073992DE340}"/>
+              </a:ext>
+            </a:extLst>
+          </p:cNvPr>
+          <p:cNvGraphicFramePr>
+            <a:graphicFrameLocks noChangeAspect="1"/>
+          </p:cNvGraphicFramePr>
+          <p:nvPr>
+            <p:extLst>
+              <p:ext uri="{D42A27DB-BD31-4B8C-83A1-F6EECF244321}">
+                <p14:modId xmlns:p14="http://schemas.microsoft.com/office/powerpoint/2010/main" val="3849437331"/>
+              </p:ext>
+            </p:extLst>
+          </p:nvPr>
+        </p:nvGraphicFramePr>
+        <p:xfrm>
+          <a:off x="3441655" y="4063150"/>
+          <a:ext cx="2173844" cy="1554480"/>
+        </p:xfrm>
+        <a:graphic>
+          <a:graphicData uri="http://schemas.openxmlformats.org/presentationml/2006/ole">
+            <mc:AlternateContent xmlns:mc="http://schemas.openxmlformats.org/markup-compatibility/2006">
+              <mc:Choice xmlns:v="urn:schemas-microsoft-com:vml" Requires="v">
+                <p:oleObj spid="_x0000_s1027" name="Equation" r:id="rId3" imgW="1600200" imgH="1143000" progId="Equation.3">
+                  <p:embed/>
+                </p:oleObj>
+              </mc:Choice>
+              <mc:Fallback>
+                <p:oleObj name="Equation" r:id="rId3" imgW="1600200" imgH="1143000" progId="Equation.3">
+                  <p:embed/>
+                  <p:pic>
+                    <p:nvPicPr>
+                      <p:cNvPr id="4" name="Object 3"/>
+                      <p:cNvPicPr>
+                        <a:picLocks noChangeAspect="1" noChangeArrowheads="1"/>
+                      </p:cNvPicPr>
+                      <p:nvPr/>
+                    </p:nvPicPr>
+                    <p:blipFill>
+                      <a:blip r:embed="rId4"/>
+                      <a:srcRect/>
+                      <a:stretch>
+                        <a:fillRect/>
+                      </a:stretch>
+                    </p:blipFill>
+                    <p:spPr bwMode="auto">
+                      <a:xfrm>
+                        <a:off x="3441655" y="4063150"/>
+                        <a:ext cx="2173844" cy="1554480"/>
+                      </a:xfrm>
+                      <a:prstGeom prst="rect">
+                        <a:avLst/>
+                      </a:prstGeom>
+                      <a:noFill/>
+                      <a:ln>
+                        <a:noFill/>
+                      </a:ln>
+                    </p:spPr>
+                  </p:pic>
+                </p:oleObj>
+              </mc:Fallback>
+            </mc:AlternateContent>
+          </a:graphicData>
+        </a:graphic>
+      </p:graphicFrame>
+      <p:sp>
+        <p:nvSpPr>
+          <p:cNvPr id="47" name="TextBox 46">
+            <a:extLst>
+              <a:ext uri="{FF2B5EF4-FFF2-40B4-BE49-F238E27FC236}">
+                <a16:creationId xmlns:a16="http://schemas.microsoft.com/office/drawing/2014/main" id="{20F9C087-6997-4478-BBEC-E4A94CE4896F}"/>
+              </a:ext>
+            </a:extLst>
+          </p:cNvPr>
+          <p:cNvSpPr txBox="1"/>
+          <p:nvPr/>
+        </p:nvSpPr>
+        <p:spPr>
+          <a:xfrm>
+            <a:off x="4247731" y="1540953"/>
+            <a:ext cx="280846" cy="327782"/>
+          </a:xfrm>
+          <a:prstGeom prst="rect">
+            <a:avLst/>
+          </a:prstGeom>
+          <a:noFill/>
+        </p:spPr>
+        <p:txBody>
+          <a:bodyPr wrap="none" rtlCol="0">
+            <a:spAutoFit/>
+          </a:bodyPr>
+          <a:lstStyle/>
+          <a:p>
+            <a:pPr marL="0" marR="0" lvl="0" indent="0" defTabSz="914400" eaLnBrk="1" fontAlgn="auto" latinLnBrk="0" hangingPunct="1">
+              <a:lnSpc>
+                <a:spcPct val="100000"/>
+              </a:lnSpc>
+              <a:spcBef>
+                <a:spcPts val="0"/>
+              </a:spcBef>
+              <a:spcAft>
+                <a:spcPts val="0"/>
+              </a:spcAft>
+              <a:buClrTx/>
+              <a:buSzTx/>
+              <a:buFontTx/>
+              <a:buNone/>
+              <a:tabLst/>
+              <a:defRPr/>
+            </a:pPr>
+            <a:r>
+              <a:rPr kumimoji="0" lang="en-US" sz="1530" b="0" i="0" u="none" strike="noStrike" kern="0" cap="none" spc="0" normalizeH="0" baseline="0" noProof="0" dirty="0">
+                <a:ln>
+                  <a:noFill/>
+                </a:ln>
+                <a:solidFill>
+                  <a:prstClr val="black"/>
+                </a:solidFill>
+                <a:effectLst/>
+                <a:uLnTx/>
+                <a:uFillTx/>
+              </a:rPr>
+              <a:t>Y</a:t>
+            </a:r>
+          </a:p>
+        </p:txBody>
+      </p:sp>
+      <p:sp>
+        <p:nvSpPr>
+          <p:cNvPr id="48" name="TextBox 47">
+            <a:extLst>
+              <a:ext uri="{FF2B5EF4-FFF2-40B4-BE49-F238E27FC236}">
+                <a16:creationId xmlns:a16="http://schemas.microsoft.com/office/drawing/2014/main" id="{DEE2D90E-88F4-46CB-B0B6-DB3E9CA298CC}"/>
+              </a:ext>
+            </a:extLst>
+          </p:cNvPr>
+          <p:cNvSpPr txBox="1"/>
+          <p:nvPr/>
+        </p:nvSpPr>
+        <p:spPr>
+          <a:xfrm>
+            <a:off x="2758021" y="1540953"/>
+            <a:ext cx="386644" cy="327782"/>
+          </a:xfrm>
+          <a:prstGeom prst="rect">
+            <a:avLst/>
+          </a:prstGeom>
+          <a:noFill/>
+        </p:spPr>
+        <p:txBody>
+          <a:bodyPr wrap="none" rtlCol="0">
+            <a:spAutoFit/>
+          </a:bodyPr>
+          <a:lstStyle/>
+          <a:p>
+            <a:pPr marL="0" marR="0" lvl="0" indent="0" defTabSz="914400" eaLnBrk="1" fontAlgn="auto" latinLnBrk="0" hangingPunct="1">
+              <a:lnSpc>
+                <a:spcPct val="100000"/>
+              </a:lnSpc>
+              <a:spcBef>
+                <a:spcPts val="0"/>
+              </a:spcBef>
+              <a:spcAft>
+                <a:spcPts val="0"/>
+              </a:spcAft>
+              <a:buClrTx/>
+              <a:buSzTx/>
+              <a:buFontTx/>
+              <a:buNone/>
+              <a:tabLst/>
+              <a:defRPr/>
+            </a:pPr>
+            <a:r>
+              <a:rPr kumimoji="0" lang="en-US" sz="1530" b="0" i="0" u="none" strike="noStrike" kern="0" cap="none" spc="0" normalizeH="0" baseline="0" noProof="0" dirty="0">
+                <a:ln>
+                  <a:noFill/>
+                </a:ln>
+                <a:solidFill>
+                  <a:prstClr val="black"/>
+                </a:solidFill>
+                <a:effectLst/>
+                <a:uLnTx/>
+                <a:uFillTx/>
+              </a:rPr>
+              <a:t>X1</a:t>
+            </a:r>
+          </a:p>
+        </p:txBody>
+      </p:sp>
+      <p:sp>
+        <p:nvSpPr>
+          <p:cNvPr id="49" name="TextBox 48">
+            <a:extLst>
+              <a:ext uri="{FF2B5EF4-FFF2-40B4-BE49-F238E27FC236}">
+                <a16:creationId xmlns:a16="http://schemas.microsoft.com/office/drawing/2014/main" id="{A1BDFC67-770F-4752-ABF8-52ADCD7A20C4}"/>
+              </a:ext>
+            </a:extLst>
+          </p:cNvPr>
+          <p:cNvSpPr txBox="1"/>
+          <p:nvPr/>
+        </p:nvSpPr>
+        <p:spPr>
+          <a:xfrm>
+            <a:off x="3529801" y="2216079"/>
+            <a:ext cx="386644" cy="327782"/>
+          </a:xfrm>
+          <a:prstGeom prst="rect">
+            <a:avLst/>
+          </a:prstGeom>
+          <a:noFill/>
+        </p:spPr>
+        <p:txBody>
+          <a:bodyPr wrap="none" rtlCol="0">
+            <a:spAutoFit/>
+          </a:bodyPr>
+          <a:lstStyle/>
+          <a:p>
+            <a:pPr marL="0" marR="0" lvl="0" indent="0" defTabSz="914400" eaLnBrk="1" fontAlgn="auto" latinLnBrk="0" hangingPunct="1">
+              <a:lnSpc>
+                <a:spcPct val="100000"/>
+              </a:lnSpc>
+              <a:spcBef>
+                <a:spcPts val="0"/>
+              </a:spcBef>
+              <a:spcAft>
+                <a:spcPts val="0"/>
+              </a:spcAft>
+              <a:buClrTx/>
+              <a:buSzTx/>
+              <a:buFontTx/>
+              <a:buNone/>
+              <a:tabLst/>
+              <a:defRPr/>
+            </a:pPr>
+            <a:r>
+              <a:rPr kumimoji="0" lang="en-US" sz="1530" b="0" i="0" u="none" strike="noStrike" kern="0" cap="none" spc="0" normalizeH="0" baseline="0" noProof="0" dirty="0">
+                <a:ln>
+                  <a:noFill/>
+                </a:ln>
+                <a:solidFill>
+                  <a:prstClr val="black"/>
+                </a:solidFill>
+                <a:effectLst/>
+                <a:uLnTx/>
+                <a:uFillTx/>
+              </a:rPr>
+              <a:t>X2</a:t>
+            </a:r>
+          </a:p>
+        </p:txBody>
+      </p:sp>
+      <p:cxnSp>
+        <p:nvCxnSpPr>
+          <p:cNvPr id="50" name="Straight Arrow Connector 49">
+            <a:extLst>
+              <a:ext uri="{FF2B5EF4-FFF2-40B4-BE49-F238E27FC236}">
+                <a16:creationId xmlns:a16="http://schemas.microsoft.com/office/drawing/2014/main" id="{32695BD3-3985-44D5-B39A-647A316D8AA5}"/>
+              </a:ext>
+            </a:extLst>
+          </p:cNvPr>
+          <p:cNvCxnSpPr>
+            <a:stCxn id="48" idx="3"/>
+            <a:endCxn id="47" idx="1"/>
+          </p:cNvCxnSpPr>
+          <p:nvPr/>
+        </p:nvCxnSpPr>
+        <p:spPr>
+          <a:xfrm>
+            <a:off x="3135720" y="1697919"/>
+            <a:ext cx="1112011" cy="0"/>
+          </a:xfrm>
+          <a:prstGeom prst="straightConnector1">
+            <a:avLst/>
+          </a:prstGeom>
+          <a:noFill/>
+          <a:ln w="22225" cap="flat" cmpd="sng" algn="ctr">
+            <a:solidFill>
+              <a:srgbClr val="1F497D"/>
+            </a:solidFill>
+            <a:prstDash val="solid"/>
+            <a:tailEnd type="arrow"/>
+          </a:ln>
+          <a:effectLst/>
+        </p:spPr>
+      </p:cxnSp>
+      <p:cxnSp>
+        <p:nvCxnSpPr>
+          <p:cNvPr id="51" name="Straight Arrow Connector 50">
+            <a:extLst>
+              <a:ext uri="{FF2B5EF4-FFF2-40B4-BE49-F238E27FC236}">
+                <a16:creationId xmlns:a16="http://schemas.microsoft.com/office/drawing/2014/main" id="{027F1E55-F409-480E-AB14-B444A7FB8235}"/>
+              </a:ext>
+            </a:extLst>
+          </p:cNvPr>
+          <p:cNvCxnSpPr>
+            <a:stCxn id="48" idx="2"/>
+            <a:endCxn id="49" idx="1"/>
+          </p:cNvCxnSpPr>
+          <p:nvPr/>
+        </p:nvCxnSpPr>
+        <p:spPr>
+          <a:xfrm>
+            <a:off x="2946871" y="1854885"/>
+            <a:ext cx="582930" cy="518160"/>
+          </a:xfrm>
+          <a:prstGeom prst="straightConnector1">
+            <a:avLst/>
+          </a:prstGeom>
+          <a:noFill/>
+          <a:ln w="22225" cap="flat" cmpd="sng" algn="ctr">
+            <a:solidFill>
+              <a:srgbClr val="F79646">
+                <a:lumMod val="75000"/>
+              </a:srgbClr>
+            </a:solidFill>
+            <a:prstDash val="solid"/>
+            <a:tailEnd type="arrow"/>
+          </a:ln>
+          <a:effectLst/>
+        </p:spPr>
+      </p:cxnSp>
+      <p:cxnSp>
+        <p:nvCxnSpPr>
+          <p:cNvPr id="52" name="Straight Arrow Connector 51">
+            <a:extLst>
+              <a:ext uri="{FF2B5EF4-FFF2-40B4-BE49-F238E27FC236}">
+                <a16:creationId xmlns:a16="http://schemas.microsoft.com/office/drawing/2014/main" id="{4256DDB5-E1B7-41A0-8917-61E27E8D63EF}"/>
+              </a:ext>
+            </a:extLst>
+          </p:cNvPr>
+          <p:cNvCxnSpPr>
+            <a:stCxn id="49" idx="3"/>
+            <a:endCxn id="47" idx="2"/>
+          </p:cNvCxnSpPr>
+          <p:nvPr/>
+        </p:nvCxnSpPr>
+        <p:spPr>
+          <a:xfrm flipV="1">
+            <a:off x="3907500" y="1854885"/>
+            <a:ext cx="474579" cy="518160"/>
+          </a:xfrm>
+          <a:prstGeom prst="straightConnector1">
+            <a:avLst/>
+          </a:prstGeom>
+          <a:noFill/>
+          <a:ln w="22225" cap="flat" cmpd="sng" algn="ctr">
+            <a:solidFill>
+              <a:srgbClr val="F79646">
+                <a:lumMod val="75000"/>
+              </a:srgbClr>
+            </a:solidFill>
+            <a:prstDash val="solid"/>
+            <a:tailEnd type="arrow"/>
+          </a:ln>
+          <a:effectLst/>
+        </p:spPr>
+      </p:cxnSp>
+      <p:sp>
+        <p:nvSpPr>
+          <p:cNvPr id="53" name="TextBox 52">
+            <a:extLst>
+              <a:ext uri="{FF2B5EF4-FFF2-40B4-BE49-F238E27FC236}">
+                <a16:creationId xmlns:a16="http://schemas.microsoft.com/office/drawing/2014/main" id="{906FAAFF-5843-478C-962B-B704B1F3DF20}"/>
+              </a:ext>
+            </a:extLst>
+          </p:cNvPr>
+          <p:cNvSpPr txBox="1"/>
+          <p:nvPr/>
+        </p:nvSpPr>
+        <p:spPr>
+          <a:xfrm>
+            <a:off x="5095630" y="1588215"/>
+            <a:ext cx="1341842" cy="830997"/>
+          </a:xfrm>
+          <a:prstGeom prst="rect">
+            <a:avLst/>
+          </a:prstGeom>
+          <a:noFill/>
+        </p:spPr>
+        <p:txBody>
+          <a:bodyPr wrap="none" rtlCol="0">
+            <a:spAutoFit/>
+          </a:bodyPr>
+          <a:lstStyle/>
+          <a:p>
+            <a:pPr marL="0" marR="0" lvl="0" indent="0" defTabSz="914400" eaLnBrk="1" fontAlgn="auto" latinLnBrk="0" hangingPunct="1">
+              <a:lnSpc>
+                <a:spcPct val="100000"/>
+              </a:lnSpc>
+              <a:spcBef>
+                <a:spcPts val="0"/>
+              </a:spcBef>
+              <a:spcAft>
+                <a:spcPts val="0"/>
+              </a:spcAft>
+              <a:buClrTx/>
+              <a:buSzTx/>
+              <a:buFontTx/>
+              <a:buNone/>
+              <a:tabLst/>
+              <a:defRPr/>
+            </a:pPr>
+            <a:r>
+              <a:rPr kumimoji="0" lang="en-US" sz="1600" b="0" i="0" u="none" strike="noStrike" kern="0" cap="none" spc="0" normalizeH="0" baseline="0" noProof="0" dirty="0">
+                <a:ln>
+                  <a:noFill/>
+                </a:ln>
+                <a:solidFill>
+                  <a:srgbClr val="1F497D"/>
+                </a:solidFill>
+                <a:effectLst/>
+                <a:uLnTx/>
+                <a:uFillTx/>
+              </a:rPr>
+              <a:t>Direct Effect</a:t>
+            </a:r>
+          </a:p>
+          <a:p>
+            <a:pPr marL="0" marR="0" lvl="0" indent="0" defTabSz="914400" eaLnBrk="1" fontAlgn="auto" latinLnBrk="0" hangingPunct="1">
+              <a:lnSpc>
+                <a:spcPct val="100000"/>
+              </a:lnSpc>
+              <a:spcBef>
+                <a:spcPts val="0"/>
+              </a:spcBef>
+              <a:spcAft>
+                <a:spcPts val="0"/>
+              </a:spcAft>
+              <a:buClrTx/>
+              <a:buSzTx/>
+              <a:buFontTx/>
+              <a:buNone/>
+              <a:tabLst/>
+              <a:defRPr/>
+            </a:pPr>
+            <a:endParaRPr kumimoji="0" lang="en-US" sz="1600" b="0" i="0" u="none" strike="noStrike" kern="0" cap="none" spc="0" normalizeH="0" baseline="0" noProof="0" dirty="0">
+              <a:ln>
+                <a:noFill/>
+              </a:ln>
+              <a:solidFill>
+                <a:prstClr val="black"/>
+              </a:solidFill>
+              <a:effectLst/>
+              <a:uLnTx/>
+              <a:uFillTx/>
+            </a:endParaRPr>
+          </a:p>
+          <a:p>
+            <a:pPr marL="0" marR="0" lvl="0" indent="0" defTabSz="914400" eaLnBrk="1" fontAlgn="auto" latinLnBrk="0" hangingPunct="1">
+              <a:lnSpc>
+                <a:spcPct val="100000"/>
+              </a:lnSpc>
+              <a:spcBef>
+                <a:spcPts val="0"/>
+              </a:spcBef>
+              <a:spcAft>
+                <a:spcPts val="0"/>
+              </a:spcAft>
+              <a:buClrTx/>
+              <a:buSzTx/>
+              <a:buFontTx/>
+              <a:buNone/>
+              <a:tabLst/>
+              <a:defRPr/>
+            </a:pPr>
+            <a:r>
+              <a:rPr kumimoji="0" lang="en-US" sz="1600" b="0" i="0" u="none" strike="noStrike" kern="0" cap="none" spc="0" normalizeH="0" baseline="0" noProof="0" dirty="0">
+                <a:ln>
+                  <a:noFill/>
+                </a:ln>
+                <a:solidFill>
+                  <a:srgbClr val="F79646">
+                    <a:lumMod val="75000"/>
+                  </a:srgbClr>
+                </a:solidFill>
+                <a:effectLst/>
+                <a:uLnTx/>
+                <a:uFillTx/>
+              </a:rPr>
+              <a:t>Indirect Effect</a:t>
+            </a:r>
+          </a:p>
+        </p:txBody>
+      </p:sp>
+      <p:sp>
+        <p:nvSpPr>
+          <p:cNvPr id="54" name="Oval 53">
+            <a:extLst>
+              <a:ext uri="{FF2B5EF4-FFF2-40B4-BE49-F238E27FC236}">
+                <a16:creationId xmlns:a16="http://schemas.microsoft.com/office/drawing/2014/main" id="{E01B6017-B249-415E-85F5-9F4F4D313E55}"/>
+              </a:ext>
+            </a:extLst>
+          </p:cNvPr>
+          <p:cNvSpPr/>
+          <p:nvPr/>
+        </p:nvSpPr>
+        <p:spPr>
+          <a:xfrm>
+            <a:off x="7827743" y="1038404"/>
+            <a:ext cx="1619250" cy="1519886"/>
+          </a:xfrm>
+          <a:prstGeom prst="ellipse">
+            <a:avLst/>
+          </a:prstGeom>
+          <a:solidFill>
+            <a:sysClr val="window" lastClr="FFFFFF">
+              <a:lumMod val="85000"/>
+            </a:sysClr>
+          </a:solidFill>
+          <a:ln w="25400" cap="flat" cmpd="sng" algn="ctr">
+            <a:solidFill>
+              <a:sysClr val="windowText" lastClr="000000">
+                <a:lumMod val="50000"/>
+                <a:lumOff val="50000"/>
+              </a:sysClr>
+            </a:solidFill>
+            <a:prstDash val="solid"/>
+          </a:ln>
+          <a:effectLst/>
+        </p:spPr>
+        <p:txBody>
+          <a:bodyPr rtlCol="0" anchor="ctr"/>
+          <a:lstStyle/>
+          <a:p>
+            <a:pPr marL="0" marR="0" lvl="0" indent="0" algn="ctr" defTabSz="914400" eaLnBrk="1" fontAlgn="auto" latinLnBrk="0" hangingPunct="1">
+              <a:lnSpc>
+                <a:spcPct val="100000"/>
+              </a:lnSpc>
+              <a:spcBef>
+                <a:spcPts val="0"/>
+              </a:spcBef>
+              <a:spcAft>
+                <a:spcPts val="0"/>
+              </a:spcAft>
+              <a:buClrTx/>
+              <a:buSzTx/>
+              <a:buFontTx/>
+              <a:buNone/>
+              <a:tabLst/>
+              <a:defRPr/>
+            </a:pPr>
+            <a:endParaRPr kumimoji="0" lang="en-US" sz="1530" b="0" i="0" u="none" strike="noStrike" kern="0" cap="none" spc="0" normalizeH="0" baseline="0" noProof="0">
+              <a:ln>
+                <a:noFill/>
+              </a:ln>
+              <a:solidFill>
+                <a:prstClr val="white"/>
+              </a:solidFill>
+              <a:effectLst/>
+              <a:uLnTx/>
+              <a:uFillTx/>
+              <a:latin typeface="Calibri"/>
+              <a:ea typeface="+mn-ea"/>
+              <a:cs typeface="+mn-cs"/>
+            </a:endParaRPr>
+          </a:p>
+        </p:txBody>
+      </p:sp>
+      <p:sp>
+        <p:nvSpPr>
+          <p:cNvPr id="55" name="Oval 54">
+            <a:extLst>
+              <a:ext uri="{FF2B5EF4-FFF2-40B4-BE49-F238E27FC236}">
+                <a16:creationId xmlns:a16="http://schemas.microsoft.com/office/drawing/2014/main" id="{CF04ABE1-529B-4D75-90EF-198A8EE588ED}"/>
+              </a:ext>
+            </a:extLst>
+          </p:cNvPr>
+          <p:cNvSpPr/>
+          <p:nvPr/>
+        </p:nvSpPr>
+        <p:spPr>
+          <a:xfrm>
+            <a:off x="7568663" y="1915113"/>
+            <a:ext cx="1276771" cy="1139259"/>
+          </a:xfrm>
+          <a:prstGeom prst="ellipse">
+            <a:avLst/>
+          </a:prstGeom>
+          <a:solidFill>
+            <a:sysClr val="windowText" lastClr="000000">
+              <a:lumMod val="65000"/>
+              <a:lumOff val="35000"/>
+              <a:alpha val="17000"/>
+            </a:sysClr>
+          </a:solidFill>
+          <a:ln w="25400" cap="flat" cmpd="sng" algn="ctr">
+            <a:solidFill>
+              <a:sysClr val="windowText" lastClr="000000">
+                <a:lumMod val="65000"/>
+                <a:lumOff val="35000"/>
+              </a:sysClr>
+            </a:solidFill>
+            <a:prstDash val="solid"/>
+          </a:ln>
+          <a:effectLst/>
+        </p:spPr>
+        <p:txBody>
+          <a:bodyPr rtlCol="0" anchor="ctr"/>
+          <a:lstStyle/>
+          <a:p>
+            <a:pPr marL="0" marR="0" lvl="0" indent="0" algn="ctr" defTabSz="914400" eaLnBrk="1" fontAlgn="auto" latinLnBrk="0" hangingPunct="1">
+              <a:lnSpc>
+                <a:spcPct val="100000"/>
+              </a:lnSpc>
+              <a:spcBef>
+                <a:spcPts val="0"/>
+              </a:spcBef>
+              <a:spcAft>
+                <a:spcPts val="0"/>
+              </a:spcAft>
+              <a:buClrTx/>
+              <a:buSzTx/>
+              <a:buFontTx/>
+              <a:buNone/>
+              <a:tabLst/>
+              <a:defRPr/>
+            </a:pPr>
+            <a:endParaRPr kumimoji="0" lang="en-US" sz="1530" b="0" i="0" u="none" strike="noStrike" kern="0" cap="none" spc="0" normalizeH="0" baseline="0" noProof="0">
+              <a:ln>
+                <a:noFill/>
+              </a:ln>
+              <a:solidFill>
+                <a:prstClr val="white"/>
+              </a:solidFill>
+              <a:effectLst/>
+              <a:uLnTx/>
+              <a:uFillTx/>
+              <a:latin typeface="Calibri"/>
+              <a:ea typeface="+mn-ea"/>
+              <a:cs typeface="+mn-cs"/>
+            </a:endParaRPr>
+          </a:p>
+        </p:txBody>
+      </p:sp>
+      <p:sp>
+        <p:nvSpPr>
+          <p:cNvPr id="56" name="Oval 55">
+            <a:extLst>
+              <a:ext uri="{FF2B5EF4-FFF2-40B4-BE49-F238E27FC236}">
+                <a16:creationId xmlns:a16="http://schemas.microsoft.com/office/drawing/2014/main" id="{C29BC961-3ACC-4F67-AAE3-45218D145AEF}"/>
+              </a:ext>
+            </a:extLst>
+          </p:cNvPr>
+          <p:cNvSpPr/>
+          <p:nvPr/>
+        </p:nvSpPr>
+        <p:spPr>
+          <a:xfrm>
+            <a:off x="8170223" y="1988660"/>
+            <a:ext cx="1276771" cy="1139259"/>
+          </a:xfrm>
+          <a:prstGeom prst="ellipse">
+            <a:avLst/>
+          </a:prstGeom>
+          <a:solidFill>
+            <a:sysClr val="windowText" lastClr="000000">
+              <a:lumMod val="65000"/>
+              <a:lumOff val="35000"/>
+              <a:alpha val="17000"/>
+            </a:sysClr>
+          </a:solidFill>
+          <a:ln w="25400" cap="flat" cmpd="sng" algn="ctr">
+            <a:solidFill>
+              <a:sysClr val="windowText" lastClr="000000">
+                <a:lumMod val="65000"/>
+                <a:lumOff val="35000"/>
+              </a:sysClr>
+            </a:solidFill>
+            <a:prstDash val="solid"/>
+          </a:ln>
+          <a:effectLst/>
+        </p:spPr>
+        <p:txBody>
+          <a:bodyPr rtlCol="0" anchor="ctr"/>
+          <a:lstStyle/>
+          <a:p>
+            <a:pPr marL="0" marR="0" lvl="0" indent="0" algn="ctr" defTabSz="914400" eaLnBrk="1" fontAlgn="auto" latinLnBrk="0" hangingPunct="1">
+              <a:lnSpc>
+                <a:spcPct val="100000"/>
+              </a:lnSpc>
+              <a:spcBef>
+                <a:spcPts val="0"/>
+              </a:spcBef>
+              <a:spcAft>
+                <a:spcPts val="0"/>
+              </a:spcAft>
+              <a:buClrTx/>
+              <a:buSzTx/>
+              <a:buFontTx/>
+              <a:buNone/>
+              <a:tabLst/>
+              <a:defRPr/>
+            </a:pPr>
+            <a:endParaRPr kumimoji="0" lang="en-US" sz="1530" b="0" i="0" u="none" strike="noStrike" kern="0" cap="none" spc="0" normalizeH="0" baseline="0" noProof="0">
+              <a:ln>
+                <a:noFill/>
+              </a:ln>
+              <a:solidFill>
+                <a:prstClr val="white"/>
+              </a:solidFill>
+              <a:effectLst/>
+              <a:uLnTx/>
+              <a:uFillTx/>
+              <a:latin typeface="Calibri"/>
+              <a:ea typeface="+mn-ea"/>
+              <a:cs typeface="+mn-cs"/>
+            </a:endParaRPr>
+          </a:p>
+        </p:txBody>
+      </p:sp>
+      <p:sp>
+        <p:nvSpPr>
+          <p:cNvPr id="57" name="TextBox 56">
+            <a:extLst>
+              <a:ext uri="{FF2B5EF4-FFF2-40B4-BE49-F238E27FC236}">
+                <a16:creationId xmlns:a16="http://schemas.microsoft.com/office/drawing/2014/main" id="{529F5002-60E5-46F4-AAA3-79B5753BD243}"/>
+              </a:ext>
+            </a:extLst>
+          </p:cNvPr>
+          <p:cNvSpPr txBox="1"/>
+          <p:nvPr/>
+        </p:nvSpPr>
+        <p:spPr>
+          <a:xfrm>
+            <a:off x="9032497" y="881438"/>
+            <a:ext cx="280846" cy="327782"/>
+          </a:xfrm>
+          <a:prstGeom prst="rect">
+            <a:avLst/>
+          </a:prstGeom>
+          <a:noFill/>
+        </p:spPr>
+        <p:txBody>
+          <a:bodyPr wrap="none" rtlCol="0">
+            <a:spAutoFit/>
+          </a:bodyPr>
+          <a:lstStyle/>
+          <a:p>
+            <a:pPr marL="0" marR="0" lvl="0" indent="0" defTabSz="914400" eaLnBrk="1" fontAlgn="auto" latinLnBrk="0" hangingPunct="1">
+              <a:lnSpc>
+                <a:spcPct val="100000"/>
+              </a:lnSpc>
+              <a:spcBef>
+                <a:spcPts val="0"/>
+              </a:spcBef>
+              <a:spcAft>
+                <a:spcPts val="0"/>
+              </a:spcAft>
+              <a:buClrTx/>
+              <a:buSzTx/>
+              <a:buFontTx/>
+              <a:buNone/>
+              <a:tabLst/>
+              <a:defRPr/>
+            </a:pPr>
+            <a:r>
+              <a:rPr kumimoji="0" lang="en-US" sz="1530" b="0" i="0" u="none" strike="noStrike" kern="0" cap="none" spc="0" normalizeH="0" baseline="0" noProof="0" dirty="0">
+                <a:ln>
+                  <a:noFill/>
+                </a:ln>
+                <a:solidFill>
+                  <a:prstClr val="black"/>
+                </a:solidFill>
+                <a:effectLst/>
+                <a:uLnTx/>
+                <a:uFillTx/>
+              </a:rPr>
+              <a:t>Y</a:t>
+            </a:r>
+          </a:p>
+        </p:txBody>
+      </p:sp>
+      <p:sp>
+        <p:nvSpPr>
+          <p:cNvPr id="58" name="TextBox 57">
+            <a:extLst>
+              <a:ext uri="{FF2B5EF4-FFF2-40B4-BE49-F238E27FC236}">
+                <a16:creationId xmlns:a16="http://schemas.microsoft.com/office/drawing/2014/main" id="{16444393-1A3B-4EF2-813F-5A5CE5638957}"/>
+              </a:ext>
+            </a:extLst>
+          </p:cNvPr>
+          <p:cNvSpPr txBox="1"/>
+          <p:nvPr/>
+        </p:nvSpPr>
+        <p:spPr>
+          <a:xfrm>
+            <a:off x="7379814" y="2744391"/>
+            <a:ext cx="386644" cy="327782"/>
+          </a:xfrm>
+          <a:prstGeom prst="rect">
+            <a:avLst/>
+          </a:prstGeom>
+          <a:noFill/>
+        </p:spPr>
+        <p:txBody>
+          <a:bodyPr wrap="none" rtlCol="0">
+            <a:spAutoFit/>
+          </a:bodyPr>
+          <a:lstStyle/>
+          <a:p>
+            <a:pPr marL="0" marR="0" lvl="0" indent="0" defTabSz="914400" eaLnBrk="1" fontAlgn="auto" latinLnBrk="0" hangingPunct="1">
+              <a:lnSpc>
+                <a:spcPct val="100000"/>
+              </a:lnSpc>
+              <a:spcBef>
+                <a:spcPts val="0"/>
+              </a:spcBef>
+              <a:spcAft>
+                <a:spcPts val="0"/>
+              </a:spcAft>
+              <a:buClrTx/>
+              <a:buSzTx/>
+              <a:buFontTx/>
+              <a:buNone/>
+              <a:tabLst/>
+              <a:defRPr/>
+            </a:pPr>
+            <a:r>
+              <a:rPr kumimoji="0" lang="en-US" sz="1530" b="0" i="0" u="none" strike="noStrike" kern="0" cap="none" spc="0" normalizeH="0" baseline="0" noProof="0" dirty="0">
+                <a:ln>
+                  <a:noFill/>
+                </a:ln>
+                <a:solidFill>
+                  <a:prstClr val="black"/>
+                </a:solidFill>
+                <a:effectLst/>
+                <a:uLnTx/>
+                <a:uFillTx/>
+              </a:rPr>
+              <a:t>X1</a:t>
+            </a:r>
+          </a:p>
+        </p:txBody>
+      </p:sp>
+      <p:sp>
+        <p:nvSpPr>
+          <p:cNvPr id="59" name="TextBox 58">
+            <a:extLst>
+              <a:ext uri="{FF2B5EF4-FFF2-40B4-BE49-F238E27FC236}">
+                <a16:creationId xmlns:a16="http://schemas.microsoft.com/office/drawing/2014/main" id="{4A1B8724-CC6E-483E-A5E7-2DCB5B86019C}"/>
+              </a:ext>
+            </a:extLst>
+          </p:cNvPr>
+          <p:cNvSpPr txBox="1"/>
+          <p:nvPr/>
+        </p:nvSpPr>
+        <p:spPr>
+          <a:xfrm>
+            <a:off x="9170251" y="2905308"/>
+            <a:ext cx="386644" cy="327782"/>
+          </a:xfrm>
+          <a:prstGeom prst="rect">
+            <a:avLst/>
+          </a:prstGeom>
+          <a:noFill/>
+        </p:spPr>
+        <p:txBody>
+          <a:bodyPr wrap="none" rtlCol="0">
+            <a:spAutoFit/>
+          </a:bodyPr>
+          <a:lstStyle/>
+          <a:p>
+            <a:pPr marL="0" marR="0" lvl="0" indent="0" defTabSz="914400" eaLnBrk="1" fontAlgn="auto" latinLnBrk="0" hangingPunct="1">
+              <a:lnSpc>
+                <a:spcPct val="100000"/>
+              </a:lnSpc>
+              <a:spcBef>
+                <a:spcPts val="0"/>
+              </a:spcBef>
+              <a:spcAft>
+                <a:spcPts val="0"/>
+              </a:spcAft>
+              <a:buClrTx/>
+              <a:buSzTx/>
+              <a:buFontTx/>
+              <a:buNone/>
+              <a:tabLst/>
+              <a:defRPr/>
+            </a:pPr>
+            <a:r>
+              <a:rPr kumimoji="0" lang="en-US" sz="1530" b="0" i="0" u="none" strike="noStrike" kern="0" cap="none" spc="0" normalizeH="0" baseline="0" noProof="0" dirty="0">
+                <a:ln>
+                  <a:noFill/>
+                </a:ln>
+                <a:solidFill>
+                  <a:prstClr val="black"/>
+                </a:solidFill>
+                <a:effectLst/>
+                <a:uLnTx/>
+                <a:uFillTx/>
+              </a:rPr>
+              <a:t>X2</a:t>
+            </a:r>
+          </a:p>
+        </p:txBody>
+      </p:sp>
+      <p:cxnSp>
+        <p:nvCxnSpPr>
+          <p:cNvPr id="60" name="Straight Arrow Connector 59">
+            <a:extLst>
+              <a:ext uri="{FF2B5EF4-FFF2-40B4-BE49-F238E27FC236}">
+                <a16:creationId xmlns:a16="http://schemas.microsoft.com/office/drawing/2014/main" id="{CBB9C651-7497-48A9-9C1B-D638EE31751C}"/>
+              </a:ext>
+            </a:extLst>
+          </p:cNvPr>
+          <p:cNvCxnSpPr/>
+          <p:nvPr/>
+        </p:nvCxnSpPr>
+        <p:spPr>
+          <a:xfrm>
+            <a:off x="6267803" y="1796004"/>
+            <a:ext cx="1902420" cy="317962"/>
+          </a:xfrm>
+          <a:prstGeom prst="straightConnector1">
+            <a:avLst/>
+          </a:prstGeom>
+          <a:noFill/>
+          <a:ln w="22225" cap="flat" cmpd="sng" algn="ctr">
+            <a:solidFill>
+              <a:srgbClr val="1F497D"/>
+            </a:solidFill>
+            <a:prstDash val="solid"/>
+            <a:tailEnd type="arrow"/>
+          </a:ln>
+          <a:effectLst/>
+        </p:spPr>
+      </p:cxnSp>
+      <p:cxnSp>
+        <p:nvCxnSpPr>
+          <p:cNvPr id="61" name="Straight Arrow Connector 60">
+            <a:extLst>
+              <a:ext uri="{FF2B5EF4-FFF2-40B4-BE49-F238E27FC236}">
+                <a16:creationId xmlns:a16="http://schemas.microsoft.com/office/drawing/2014/main" id="{3541BD39-6315-4F64-94B3-67A369905A2A}"/>
+              </a:ext>
+            </a:extLst>
+          </p:cNvPr>
+          <p:cNvCxnSpPr/>
+          <p:nvPr/>
+        </p:nvCxnSpPr>
+        <p:spPr>
+          <a:xfrm>
+            <a:off x="6438179" y="2298435"/>
+            <a:ext cx="2084372" cy="74610"/>
+          </a:xfrm>
+          <a:prstGeom prst="straightConnector1">
+            <a:avLst/>
+          </a:prstGeom>
+          <a:noFill/>
+          <a:ln w="22225" cap="flat" cmpd="sng" algn="ctr">
+            <a:solidFill>
+              <a:srgbClr val="F79646">
+                <a:lumMod val="75000"/>
+              </a:srgbClr>
+            </a:solidFill>
+            <a:prstDash val="solid"/>
+            <a:tailEnd type="arrow"/>
+          </a:ln>
+          <a:effectLst/>
+        </p:spPr>
+      </p:cxnSp>
+      <p:sp>
+        <p:nvSpPr>
+          <p:cNvPr id="62" name="Rectangle 61">
+            <a:extLst>
+              <a:ext uri="{FF2B5EF4-FFF2-40B4-BE49-F238E27FC236}">
+                <a16:creationId xmlns:a16="http://schemas.microsoft.com/office/drawing/2014/main" id="{0BA710D6-5A6F-4E9A-A482-242A98B62D19}"/>
+              </a:ext>
+            </a:extLst>
+          </p:cNvPr>
+          <p:cNvSpPr/>
+          <p:nvPr/>
+        </p:nvSpPr>
+        <p:spPr>
+          <a:xfrm>
+            <a:off x="3482437" y="1295821"/>
+            <a:ext cx="436338" cy="327782"/>
+          </a:xfrm>
+          <a:prstGeom prst="rect">
+            <a:avLst/>
+          </a:prstGeom>
+        </p:spPr>
+        <p:txBody>
+          <a:bodyPr wrap="none">
+            <a:spAutoFit/>
+          </a:bodyPr>
+          <a:lstStyle/>
+          <a:p>
+            <a:pPr marL="0" marR="0" lvl="0" indent="0" defTabSz="914400" eaLnBrk="1" fontAlgn="auto" latinLnBrk="0" hangingPunct="1">
+              <a:lnSpc>
+                <a:spcPct val="100000"/>
+              </a:lnSpc>
+              <a:spcBef>
+                <a:spcPts val="0"/>
+              </a:spcBef>
+              <a:spcAft>
+                <a:spcPts val="0"/>
+              </a:spcAft>
+              <a:buClrTx/>
+              <a:buSzTx/>
+              <a:buFontTx/>
+              <a:buNone/>
+              <a:tabLst/>
+              <a:defRPr/>
+            </a:pPr>
+            <a:r>
+              <a:rPr kumimoji="0" lang="el-GR" sz="1530" b="1" i="0" u="none" strike="noStrike" kern="0" cap="none" spc="0" normalizeH="0" baseline="0" noProof="0" dirty="0">
+                <a:ln>
+                  <a:noFill/>
+                </a:ln>
+                <a:solidFill>
+                  <a:srgbClr val="002060"/>
+                </a:solidFill>
+                <a:effectLst/>
+                <a:uLnTx/>
+                <a:uFillTx/>
+              </a:rPr>
+              <a:t>β</a:t>
+            </a:r>
+            <a:r>
+              <a:rPr kumimoji="0" lang="en-US" sz="1530" b="1" i="0" u="none" strike="noStrike" kern="0" cap="none" spc="0" normalizeH="0" baseline="0" noProof="0" dirty="0">
+                <a:ln>
+                  <a:noFill/>
+                </a:ln>
+                <a:solidFill>
+                  <a:srgbClr val="002060"/>
+                </a:solidFill>
+                <a:effectLst/>
+                <a:uLnTx/>
+                <a:uFillTx/>
+              </a:rPr>
+              <a:t>1 </a:t>
+            </a:r>
+          </a:p>
+        </p:txBody>
+      </p:sp>
+      <p:sp>
+        <p:nvSpPr>
+          <p:cNvPr id="63" name="Rectangle 62">
+            <a:extLst>
+              <a:ext uri="{FF2B5EF4-FFF2-40B4-BE49-F238E27FC236}">
+                <a16:creationId xmlns:a16="http://schemas.microsoft.com/office/drawing/2014/main" id="{5E64EE01-B4DF-41D8-98C0-D9E1AE6C6296}"/>
+              </a:ext>
+            </a:extLst>
+          </p:cNvPr>
+          <p:cNvSpPr/>
+          <p:nvPr/>
+        </p:nvSpPr>
+        <p:spPr>
+          <a:xfrm>
+            <a:off x="4128606" y="2090542"/>
+            <a:ext cx="447558" cy="338554"/>
+          </a:xfrm>
+          <a:prstGeom prst="rect">
+            <a:avLst/>
+          </a:prstGeom>
+        </p:spPr>
+        <p:txBody>
+          <a:bodyPr wrap="none">
+            <a:spAutoFit/>
+          </a:bodyPr>
+          <a:lstStyle/>
+          <a:p>
+            <a:pPr marL="0" marR="0" lvl="0" indent="0" defTabSz="914400" eaLnBrk="1" fontAlgn="auto" latinLnBrk="0" hangingPunct="1">
+              <a:lnSpc>
+                <a:spcPct val="100000"/>
+              </a:lnSpc>
+              <a:spcBef>
+                <a:spcPts val="0"/>
+              </a:spcBef>
+              <a:spcAft>
+                <a:spcPts val="0"/>
+              </a:spcAft>
+              <a:buClrTx/>
+              <a:buSzTx/>
+              <a:buFontTx/>
+              <a:buNone/>
+              <a:tabLst/>
+              <a:defRPr/>
+            </a:pPr>
+            <a:r>
+              <a:rPr kumimoji="0" lang="el-GR" sz="1600" b="1" i="0" u="none" strike="noStrike" kern="0" cap="none" spc="0" normalizeH="0" baseline="0" noProof="0" dirty="0">
+                <a:ln>
+                  <a:noFill/>
+                </a:ln>
+                <a:solidFill>
+                  <a:srgbClr val="F79646">
+                    <a:lumMod val="75000"/>
+                  </a:srgbClr>
+                </a:solidFill>
+                <a:effectLst/>
+                <a:uLnTx/>
+                <a:uFillTx/>
+              </a:rPr>
+              <a:t>β</a:t>
+            </a:r>
+            <a:r>
+              <a:rPr kumimoji="0" lang="en-US" sz="1600" b="1" i="0" u="none" strike="noStrike" kern="0" cap="none" spc="0" normalizeH="0" baseline="0" noProof="0" dirty="0">
+                <a:ln>
+                  <a:noFill/>
+                </a:ln>
+                <a:solidFill>
+                  <a:srgbClr val="F79646">
+                    <a:lumMod val="75000"/>
+                  </a:srgbClr>
+                </a:solidFill>
+                <a:effectLst/>
+                <a:uLnTx/>
+                <a:uFillTx/>
+              </a:rPr>
+              <a:t>2 </a:t>
+            </a:r>
+          </a:p>
+        </p:txBody>
+      </p:sp>
+      <p:sp>
+        <p:nvSpPr>
+          <p:cNvPr id="64" name="Rectangle 63">
+            <a:extLst>
+              <a:ext uri="{FF2B5EF4-FFF2-40B4-BE49-F238E27FC236}">
+                <a16:creationId xmlns:a16="http://schemas.microsoft.com/office/drawing/2014/main" id="{052A7151-9707-4B22-9D86-CC5BE9E6820E}"/>
+              </a:ext>
+            </a:extLst>
+          </p:cNvPr>
+          <p:cNvSpPr/>
+          <p:nvPr/>
+        </p:nvSpPr>
+        <p:spPr>
+          <a:xfrm>
+            <a:off x="2758021" y="2072748"/>
+            <a:ext cx="457176" cy="338554"/>
+          </a:xfrm>
+          <a:prstGeom prst="rect">
+            <a:avLst/>
+          </a:prstGeom>
+        </p:spPr>
+        <p:txBody>
+          <a:bodyPr wrap="none">
+            <a:spAutoFit/>
+          </a:bodyPr>
+          <a:lstStyle/>
+          <a:p>
+            <a:pPr marL="0" marR="0" lvl="0" indent="0" defTabSz="914400" eaLnBrk="1" fontAlgn="auto" latinLnBrk="0" hangingPunct="1">
+              <a:lnSpc>
+                <a:spcPct val="100000"/>
+              </a:lnSpc>
+              <a:spcBef>
+                <a:spcPts val="0"/>
+              </a:spcBef>
+              <a:spcAft>
+                <a:spcPts val="0"/>
+              </a:spcAft>
+              <a:buClrTx/>
+              <a:buSzTx/>
+              <a:buFontTx/>
+              <a:buNone/>
+              <a:tabLst/>
+              <a:defRPr/>
+            </a:pPr>
+            <a:r>
+              <a:rPr kumimoji="0" lang="el-GR" sz="1600" b="1" i="0" u="none" strike="noStrike" kern="0" cap="none" spc="0" normalizeH="0" baseline="0" noProof="0" dirty="0">
+                <a:ln>
+                  <a:noFill/>
+                </a:ln>
+                <a:solidFill>
+                  <a:srgbClr val="F79646">
+                    <a:lumMod val="75000"/>
+                  </a:srgbClr>
+                </a:solidFill>
+                <a:effectLst/>
+                <a:uLnTx/>
+                <a:uFillTx/>
+              </a:rPr>
+              <a:t>α</a:t>
+            </a:r>
+            <a:r>
+              <a:rPr kumimoji="0" lang="en-US" sz="1600" b="1" i="0" u="none" strike="noStrike" kern="0" cap="none" spc="0" normalizeH="0" baseline="0" noProof="0" dirty="0">
+                <a:ln>
+                  <a:noFill/>
+                </a:ln>
+                <a:solidFill>
+                  <a:srgbClr val="F79646">
+                    <a:lumMod val="75000"/>
+                  </a:srgbClr>
+                </a:solidFill>
+                <a:effectLst/>
+                <a:uLnTx/>
+                <a:uFillTx/>
+              </a:rPr>
+              <a:t>2 </a:t>
+            </a:r>
+          </a:p>
+        </p:txBody>
+      </p:sp>
+      <p:sp>
+        <p:nvSpPr>
+          <p:cNvPr id="65" name="TextBox 64">
+            <a:extLst>
+              <a:ext uri="{FF2B5EF4-FFF2-40B4-BE49-F238E27FC236}">
+                <a16:creationId xmlns:a16="http://schemas.microsoft.com/office/drawing/2014/main" id="{3E9F9046-C26D-4940-9077-16348010AC48}"/>
+              </a:ext>
+            </a:extLst>
+          </p:cNvPr>
+          <p:cNvSpPr txBox="1"/>
+          <p:nvPr/>
+        </p:nvSpPr>
+        <p:spPr>
+          <a:xfrm>
+            <a:off x="6267803" y="4048447"/>
+            <a:ext cx="1598515" cy="338554"/>
+          </a:xfrm>
+          <a:prstGeom prst="rect">
+            <a:avLst/>
+          </a:prstGeom>
+          <a:noFill/>
+        </p:spPr>
+        <p:txBody>
+          <a:bodyPr wrap="none" rtlCol="0">
+            <a:spAutoFit/>
+          </a:bodyPr>
+          <a:lstStyle/>
+          <a:p>
+            <a:r>
+              <a:rPr lang="en-US" sz="1600" dirty="0">
+                <a:solidFill>
+                  <a:prstClr val="black">
+                    <a:lumMod val="50000"/>
+                    <a:lumOff val="50000"/>
+                  </a:prstClr>
+                </a:solidFill>
+                <a:latin typeface="Arial" panose="020B0604020202020204" pitchFamily="34" charset="0"/>
+                <a:cs typeface="Arial" panose="020B0604020202020204" pitchFamily="34" charset="0"/>
+              </a:rPr>
+              <a:t>(full regression)</a:t>
+            </a:r>
+          </a:p>
+        </p:txBody>
+      </p:sp>
+      <p:sp>
+        <p:nvSpPr>
+          <p:cNvPr id="66" name="TextBox 65">
+            <a:extLst>
+              <a:ext uri="{FF2B5EF4-FFF2-40B4-BE49-F238E27FC236}">
+                <a16:creationId xmlns:a16="http://schemas.microsoft.com/office/drawing/2014/main" id="{749EA7EA-EF18-424E-BD64-DA4195A9FDBA}"/>
+              </a:ext>
+            </a:extLst>
+          </p:cNvPr>
+          <p:cNvSpPr txBox="1"/>
+          <p:nvPr/>
+        </p:nvSpPr>
+        <p:spPr>
+          <a:xfrm>
+            <a:off x="6267803" y="4652388"/>
+            <a:ext cx="2087431" cy="338554"/>
+          </a:xfrm>
+          <a:prstGeom prst="rect">
+            <a:avLst/>
+          </a:prstGeom>
+          <a:noFill/>
+        </p:spPr>
+        <p:txBody>
+          <a:bodyPr wrap="none" rtlCol="0">
+            <a:spAutoFit/>
+          </a:bodyPr>
+          <a:lstStyle/>
+          <a:p>
+            <a:r>
+              <a:rPr lang="en-US" sz="1600" dirty="0">
+                <a:solidFill>
+                  <a:prstClr val="black">
+                    <a:lumMod val="50000"/>
+                    <a:lumOff val="50000"/>
+                  </a:prstClr>
+                </a:solidFill>
+                <a:latin typeface="Arial" panose="020B0604020202020204" pitchFamily="34" charset="0"/>
+                <a:cs typeface="Arial" panose="020B0604020202020204" pitchFamily="34" charset="0"/>
+              </a:rPr>
+              <a:t>(auxiliary regression)</a:t>
+            </a:r>
+          </a:p>
+        </p:txBody>
+      </p:sp>
+      <p:sp>
+        <p:nvSpPr>
+          <p:cNvPr id="67" name="TextBox 66">
+            <a:extLst>
+              <a:ext uri="{FF2B5EF4-FFF2-40B4-BE49-F238E27FC236}">
+                <a16:creationId xmlns:a16="http://schemas.microsoft.com/office/drawing/2014/main" id="{5E1E7E06-699B-4CB5-AC9D-4AEE261789C9}"/>
+              </a:ext>
+            </a:extLst>
+          </p:cNvPr>
+          <p:cNvSpPr txBox="1"/>
+          <p:nvPr/>
+        </p:nvSpPr>
+        <p:spPr>
+          <a:xfrm>
+            <a:off x="6267803" y="5321239"/>
+            <a:ext cx="2588144" cy="338554"/>
+          </a:xfrm>
+          <a:prstGeom prst="rect">
+            <a:avLst/>
+          </a:prstGeom>
+          <a:noFill/>
+        </p:spPr>
+        <p:txBody>
+          <a:bodyPr wrap="none" rtlCol="0">
+            <a:spAutoFit/>
+          </a:bodyPr>
+          <a:lstStyle/>
+          <a:p>
+            <a:r>
+              <a:rPr lang="en-US" sz="1600" dirty="0">
+                <a:solidFill>
+                  <a:prstClr val="black">
+                    <a:lumMod val="50000"/>
+                    <a:lumOff val="50000"/>
+                  </a:prstClr>
+                </a:solidFill>
+                <a:latin typeface="Arial" panose="020B0604020202020204" pitchFamily="34" charset="0"/>
+                <a:cs typeface="Arial" panose="020B0604020202020204" pitchFamily="34" charset="0"/>
+              </a:rPr>
+              <a:t>(</a:t>
+            </a:r>
+            <a:r>
+              <a:rPr lang="en-US" sz="1600" dirty="0">
+                <a:solidFill>
+                  <a:srgbClr val="F79646">
+                    <a:lumMod val="75000"/>
+                  </a:srgbClr>
+                </a:solidFill>
+                <a:latin typeface="Arial" panose="020B0604020202020204" pitchFamily="34" charset="0"/>
+                <a:cs typeface="Arial" panose="020B0604020202020204" pitchFamily="34" charset="0"/>
+                <a:sym typeface="Wingdings" panose="05000000000000000000" pitchFamily="2" charset="2"/>
+              </a:rPr>
+              <a:t>Indirect Effect of X1 on Y</a:t>
+            </a:r>
+            <a:r>
+              <a:rPr lang="en-US" sz="1600" dirty="0">
+                <a:solidFill>
+                  <a:prstClr val="black">
+                    <a:lumMod val="50000"/>
+                    <a:lumOff val="50000"/>
+                  </a:prstClr>
+                </a:solidFill>
+                <a:latin typeface="Arial" panose="020B0604020202020204" pitchFamily="34" charset="0"/>
+                <a:cs typeface="Arial" panose="020B0604020202020204" pitchFamily="34" charset="0"/>
+              </a:rPr>
+              <a:t>)</a:t>
+            </a:r>
+          </a:p>
+        </p:txBody>
+      </p:sp>
+    </p:spTree>
+    <p:extLst>
+      <p:ext uri="{BB962C8B-B14F-4D97-AF65-F5344CB8AC3E}">
+        <p14:creationId xmlns:p14="http://schemas.microsoft.com/office/powerpoint/2010/main" val="3318961808"/>
       </p:ext>
     </p:extLst>
   </p:cSld>
